--- a/第4章excel/图表/图表坐标轴.pptx
+++ b/第4章excel/图表/图表坐标轴.pptx
@@ -289,7 +289,7 @@
           <a:p>
             <a:fld id="{530820CF-B880-4189-942D-D702A7CBA730}" type="datetimeFigureOut">
               <a:rPr lang="zh-CN" altLang="en-US" smtClean="0"/>
-              <a:t>2020/6/6</a:t>
+              <a:t>2020/6/8</a:t>
             </a:fld>
             <a:endParaRPr lang="zh-CN" altLang="en-US"/>
           </a:p>
@@ -454,7 +454,7 @@
           <a:p>
             <a:fld id="{530820CF-B880-4189-942D-D702A7CBA730}" type="datetimeFigureOut">
               <a:rPr lang="zh-CN" altLang="en-US" smtClean="0"/>
-              <a:t>2020/6/6</a:t>
+              <a:t>2020/6/8</a:t>
             </a:fld>
             <a:endParaRPr lang="zh-CN" altLang="en-US"/>
           </a:p>
@@ -629,7 +629,7 @@
           <a:p>
             <a:fld id="{530820CF-B880-4189-942D-D702A7CBA730}" type="datetimeFigureOut">
               <a:rPr lang="zh-CN" altLang="en-US" smtClean="0"/>
-              <a:t>2020/6/6</a:t>
+              <a:t>2020/6/8</a:t>
             </a:fld>
             <a:endParaRPr lang="zh-CN" altLang="en-US"/>
           </a:p>
@@ -794,7 +794,7 @@
           <a:p>
             <a:fld id="{530820CF-B880-4189-942D-D702A7CBA730}" type="datetimeFigureOut">
               <a:rPr lang="zh-CN" altLang="en-US" smtClean="0"/>
-              <a:t>2020/6/6</a:t>
+              <a:t>2020/6/8</a:t>
             </a:fld>
             <a:endParaRPr lang="zh-CN" altLang="en-US"/>
           </a:p>
@@ -1035,7 +1035,7 @@
           <a:p>
             <a:fld id="{530820CF-B880-4189-942D-D702A7CBA730}" type="datetimeFigureOut">
               <a:rPr lang="zh-CN" altLang="en-US" smtClean="0"/>
-              <a:t>2020/6/6</a:t>
+              <a:t>2020/6/8</a:t>
             </a:fld>
             <a:endParaRPr lang="zh-CN" altLang="en-US"/>
           </a:p>
@@ -1318,7 +1318,7 @@
           <a:p>
             <a:fld id="{530820CF-B880-4189-942D-D702A7CBA730}" type="datetimeFigureOut">
               <a:rPr lang="zh-CN" altLang="en-US" smtClean="0"/>
-              <a:t>2020/6/6</a:t>
+              <a:t>2020/6/8</a:t>
             </a:fld>
             <a:endParaRPr lang="zh-CN" altLang="en-US"/>
           </a:p>
@@ -1735,7 +1735,7 @@
           <a:p>
             <a:fld id="{530820CF-B880-4189-942D-D702A7CBA730}" type="datetimeFigureOut">
               <a:rPr lang="zh-CN" altLang="en-US" smtClean="0"/>
-              <a:t>2020/6/6</a:t>
+              <a:t>2020/6/8</a:t>
             </a:fld>
             <a:endParaRPr lang="zh-CN" altLang="en-US"/>
           </a:p>
@@ -1848,7 +1848,7 @@
           <a:p>
             <a:fld id="{530820CF-B880-4189-942D-D702A7CBA730}" type="datetimeFigureOut">
               <a:rPr lang="zh-CN" altLang="en-US" smtClean="0"/>
-              <a:t>2020/6/6</a:t>
+              <a:t>2020/6/8</a:t>
             </a:fld>
             <a:endParaRPr lang="zh-CN" altLang="en-US"/>
           </a:p>
@@ -1938,7 +1938,7 @@
           <a:p>
             <a:fld id="{530820CF-B880-4189-942D-D702A7CBA730}" type="datetimeFigureOut">
               <a:rPr lang="zh-CN" altLang="en-US" smtClean="0"/>
-              <a:t>2020/6/6</a:t>
+              <a:t>2020/6/8</a:t>
             </a:fld>
             <a:endParaRPr lang="zh-CN" altLang="en-US"/>
           </a:p>
@@ -2210,7 +2210,7 @@
           <a:p>
             <a:fld id="{530820CF-B880-4189-942D-D702A7CBA730}" type="datetimeFigureOut">
               <a:rPr lang="zh-CN" altLang="en-US" smtClean="0"/>
-              <a:t>2020/6/6</a:t>
+              <a:t>2020/6/8</a:t>
             </a:fld>
             <a:endParaRPr lang="zh-CN" altLang="en-US"/>
           </a:p>
@@ -2458,7 +2458,7 @@
           <a:p>
             <a:fld id="{530820CF-B880-4189-942D-D702A7CBA730}" type="datetimeFigureOut">
               <a:rPr lang="zh-CN" altLang="en-US" smtClean="0"/>
-              <a:t>2020/6/6</a:t>
+              <a:t>2020/6/8</a:t>
             </a:fld>
             <a:endParaRPr lang="zh-CN" altLang="en-US"/>
           </a:p>
@@ -2666,7 +2666,7 @@
           <a:p>
             <a:fld id="{530820CF-B880-4189-942D-D702A7CBA730}" type="datetimeFigureOut">
               <a:rPr lang="zh-CN" altLang="en-US" smtClean="0"/>
-              <a:t>2020/6/6</a:t>
+              <a:t>2020/6/8</a:t>
             </a:fld>
             <a:endParaRPr lang="zh-CN" altLang="en-US"/>
           </a:p>
@@ -3592,7 +3592,7 @@
                             </p:stCondLst>
                             <p:childTnLst>
                               <p:par>
-                                <p:cTn id="10" presetID="10" presetClass="entr" presetSubtype="0" fill="hold" grpId="0" nodeType="clickEffect">
+                                <p:cTn id="10" presetID="10" presetClass="entr" presetSubtype="0" fill="hold" nodeType="clickEffect">
                                   <p:stCondLst>
                                     <p:cond delay="0"/>
                                   </p:stCondLst>
@@ -3605,7 +3605,7 @@
                                           </p:stCondLst>
                                         </p:cTn>
                                         <p:tgtEl>
-                                          <p:spTgt spid="11"/>
+                                          <p:spTgt spid="10"/>
                                         </p:tgtEl>
                                         <p:attrNameLst>
                                           <p:attrName>style.visibility</p:attrName>
@@ -3619,7 +3619,7 @@
                                       <p:cBhvr>
                                         <p:cTn id="12" dur="500"/>
                                         <p:tgtEl>
-                                          <p:spTgt spid="11"/>
+                                          <p:spTgt spid="10"/>
                                         </p:tgtEl>
                                       </p:cBhvr>
                                     </p:animEffect>
@@ -3658,7 +3658,7 @@
                                           </p:stCondLst>
                                         </p:cTn>
                                         <p:tgtEl>
-                                          <p:spTgt spid="7"/>
+                                          <p:spTgt spid="11"/>
                                         </p:tgtEl>
                                         <p:attrNameLst>
                                           <p:attrName>style.visibility</p:attrName>
@@ -3672,7 +3672,7 @@
                                       <p:cBhvr>
                                         <p:cTn id="17" dur="500"/>
                                         <p:tgtEl>
-                                          <p:spTgt spid="7"/>
+                                          <p:spTgt spid="11"/>
                                         </p:tgtEl>
                                       </p:cBhvr>
                                     </p:animEffect>
@@ -3698,7 +3698,7 @@
                             </p:stCondLst>
                             <p:childTnLst>
                               <p:par>
-                                <p:cTn id="20" presetID="10" presetClass="entr" presetSubtype="0" fill="hold" nodeType="clickEffect">
+                                <p:cTn id="20" presetID="10" presetClass="entr" presetSubtype="0" fill="hold" grpId="0" nodeType="clickEffect">
                                   <p:stCondLst>
                                     <p:cond delay="0"/>
                                   </p:stCondLst>
@@ -3711,7 +3711,7 @@
                                           </p:stCondLst>
                                         </p:cTn>
                                         <p:tgtEl>
-                                          <p:spTgt spid="12"/>
+                                          <p:spTgt spid="7"/>
                                         </p:tgtEl>
                                         <p:attrNameLst>
                                           <p:attrName>style.visibility</p:attrName>
@@ -3725,7 +3725,7 @@
                                       <p:cBhvr>
                                         <p:cTn id="22" dur="500"/>
                                         <p:tgtEl>
-                                          <p:spTgt spid="12"/>
+                                          <p:spTgt spid="7"/>
                                         </p:tgtEl>
                                       </p:cBhvr>
                                     </p:animEffect>
@@ -3751,7 +3751,7 @@
                             </p:stCondLst>
                             <p:childTnLst>
                               <p:par>
-                                <p:cTn id="25" presetID="10" presetClass="entr" presetSubtype="0" fill="hold" grpId="0" nodeType="clickEffect">
+                                <p:cTn id="25" presetID="10" presetClass="entr" presetSubtype="0" fill="hold" nodeType="clickEffect">
                                   <p:stCondLst>
                                     <p:cond delay="0"/>
                                   </p:stCondLst>
@@ -3764,7 +3764,7 @@
                                           </p:stCondLst>
                                         </p:cTn>
                                         <p:tgtEl>
-                                          <p:spTgt spid="16"/>
+                                          <p:spTgt spid="12"/>
                                         </p:tgtEl>
                                         <p:attrNameLst>
                                           <p:attrName>style.visibility</p:attrName>
@@ -3778,7 +3778,7 @@
                                       <p:cBhvr>
                                         <p:cTn id="27" dur="500"/>
                                         <p:tgtEl>
-                                          <p:spTgt spid="16"/>
+                                          <p:spTgt spid="12"/>
                                         </p:tgtEl>
                                       </p:cBhvr>
                                     </p:animEffect>
@@ -3817,7 +3817,7 @@
                                           </p:stCondLst>
                                         </p:cTn>
                                         <p:tgtEl>
-                                          <p:spTgt spid="15"/>
+                                          <p:spTgt spid="16"/>
                                         </p:tgtEl>
                                         <p:attrNameLst>
                                           <p:attrName>style.visibility</p:attrName>
@@ -3831,7 +3831,7 @@
                                       <p:cBhvr>
                                         <p:cTn id="32" dur="500"/>
                                         <p:tgtEl>
-                                          <p:spTgt spid="15"/>
+                                          <p:spTgt spid="16"/>
                                         </p:tgtEl>
                                       </p:cBhvr>
                                     </p:animEffect>
@@ -3857,7 +3857,7 @@
                             </p:stCondLst>
                             <p:childTnLst>
                               <p:par>
-                                <p:cTn id="35" presetID="10" presetClass="entr" presetSubtype="0" fill="hold" nodeType="clickEffect">
+                                <p:cTn id="35" presetID="10" presetClass="entr" presetSubtype="0" fill="hold" grpId="0" nodeType="clickEffect">
                                   <p:stCondLst>
                                     <p:cond delay="0"/>
                                   </p:stCondLst>
@@ -3870,7 +3870,7 @@
                                           </p:stCondLst>
                                         </p:cTn>
                                         <p:tgtEl>
-                                          <p:spTgt spid="4"/>
+                                          <p:spTgt spid="15"/>
                                         </p:tgtEl>
                                         <p:attrNameLst>
                                           <p:attrName>style.visibility</p:attrName>
@@ -3884,7 +3884,7 @@
                                       <p:cBhvr>
                                         <p:cTn id="37" dur="500"/>
                                         <p:tgtEl>
-                                          <p:spTgt spid="4"/>
+                                          <p:spTgt spid="15"/>
                                         </p:tgtEl>
                                       </p:cBhvr>
                                     </p:animEffect>
@@ -3910,7 +3910,7 @@
                             </p:stCondLst>
                             <p:childTnLst>
                               <p:par>
-                                <p:cTn id="40" presetID="10" presetClass="entr" presetSubtype="0" fill="hold" grpId="0" nodeType="clickEffect">
+                                <p:cTn id="40" presetID="10" presetClass="entr" presetSubtype="0" fill="hold" nodeType="clickEffect">
                                   <p:stCondLst>
                                     <p:cond delay="0"/>
                                   </p:stCondLst>
@@ -3923,7 +3923,7 @@
                                           </p:stCondLst>
                                         </p:cTn>
                                         <p:tgtEl>
-                                          <p:spTgt spid="14"/>
+                                          <p:spTgt spid="4"/>
                                         </p:tgtEl>
                                         <p:attrNameLst>
                                           <p:attrName>style.visibility</p:attrName>
@@ -3937,7 +3937,7 @@
                                       <p:cBhvr>
                                         <p:cTn id="42" dur="500"/>
                                         <p:tgtEl>
-                                          <p:spTgt spid="14"/>
+                                          <p:spTgt spid="4"/>
                                         </p:tgtEl>
                                       </p:cBhvr>
                                     </p:animEffect>
@@ -3976,7 +3976,7 @@
                                           </p:stCondLst>
                                         </p:cTn>
                                         <p:tgtEl>
-                                          <p:spTgt spid="19"/>
+                                          <p:spTgt spid="14"/>
                                         </p:tgtEl>
                                         <p:attrNameLst>
                                           <p:attrName>style.visibility</p:attrName>
@@ -3990,7 +3990,7 @@
                                       <p:cBhvr>
                                         <p:cTn id="47" dur="500"/>
                                         <p:tgtEl>
-                                          <p:spTgt spid="19"/>
+                                          <p:spTgt spid="14"/>
                                         </p:tgtEl>
                                       </p:cBhvr>
                                     </p:animEffect>
@@ -4029,7 +4029,7 @@
                                           </p:stCondLst>
                                         </p:cTn>
                                         <p:tgtEl>
-                                          <p:spTgt spid="17"/>
+                                          <p:spTgt spid="19"/>
                                         </p:tgtEl>
                                         <p:attrNameLst>
                                           <p:attrName>style.visibility</p:attrName>
@@ -4043,7 +4043,7 @@
                                       <p:cBhvr>
                                         <p:cTn id="52" dur="500"/>
                                         <p:tgtEl>
-                                          <p:spTgt spid="17"/>
+                                          <p:spTgt spid="19"/>
                                         </p:tgtEl>
                                       </p:cBhvr>
                                     </p:animEffect>
@@ -4082,7 +4082,7 @@
                                           </p:stCondLst>
                                         </p:cTn>
                                         <p:tgtEl>
-                                          <p:spTgt spid="18"/>
+                                          <p:spTgt spid="17"/>
                                         </p:tgtEl>
                                         <p:attrNameLst>
                                           <p:attrName>style.visibility</p:attrName>
@@ -4096,7 +4096,7 @@
                                       <p:cBhvr>
                                         <p:cTn id="57" dur="500"/>
                                         <p:tgtEl>
-                                          <p:spTgt spid="18"/>
+                                          <p:spTgt spid="17"/>
                                         </p:tgtEl>
                                       </p:cBhvr>
                                     </p:animEffect>
@@ -4135,6 +4135,59 @@
                                           </p:stCondLst>
                                         </p:cTn>
                                         <p:tgtEl>
+                                          <p:spTgt spid="18"/>
+                                        </p:tgtEl>
+                                        <p:attrNameLst>
+                                          <p:attrName>style.visibility</p:attrName>
+                                        </p:attrNameLst>
+                                      </p:cBhvr>
+                                      <p:to>
+                                        <p:strVal val="visible"/>
+                                      </p:to>
+                                    </p:set>
+                                    <p:animEffect transition="in" filter="fade">
+                                      <p:cBhvr>
+                                        <p:cTn id="62" dur="500"/>
+                                        <p:tgtEl>
+                                          <p:spTgt spid="18"/>
+                                        </p:tgtEl>
+                                      </p:cBhvr>
+                                    </p:animEffect>
+                                  </p:childTnLst>
+                                </p:cTn>
+                              </p:par>
+                            </p:childTnLst>
+                          </p:cTn>
+                        </p:par>
+                      </p:childTnLst>
+                    </p:cTn>
+                  </p:par>
+                  <p:par>
+                    <p:cTn id="63" fill="hold">
+                      <p:stCondLst>
+                        <p:cond delay="indefinite"/>
+                      </p:stCondLst>
+                      <p:childTnLst>
+                        <p:par>
+                          <p:cTn id="64" fill="hold">
+                            <p:stCondLst>
+                              <p:cond delay="0"/>
+                            </p:stCondLst>
+                            <p:childTnLst>
+                              <p:par>
+                                <p:cTn id="65" presetID="10" presetClass="entr" presetSubtype="0" fill="hold" grpId="0" nodeType="clickEffect">
+                                  <p:stCondLst>
+                                    <p:cond delay="0"/>
+                                  </p:stCondLst>
+                                  <p:childTnLst>
+                                    <p:set>
+                                      <p:cBhvr>
+                                        <p:cTn id="66" dur="1" fill="hold">
+                                          <p:stCondLst>
+                                            <p:cond delay="0"/>
+                                          </p:stCondLst>
+                                        </p:cTn>
+                                        <p:tgtEl>
                                           <p:spTgt spid="20"/>
                                         </p:tgtEl>
                                         <p:attrNameLst>
@@ -4147,7 +4200,7 @@
                                     </p:set>
                                     <p:animEffect transition="in" filter="fade">
                                       <p:cBhvr>
-                                        <p:cTn id="62" dur="500"/>
+                                        <p:cTn id="67" dur="500"/>
                                         <p:tgtEl>
                                           <p:spTgt spid="20"/>
                                         </p:tgtEl>
